--- a/Presentation/start_presentation.pptx
+++ b/Presentation/start_presentation.pptx
@@ -27,12 +27,12 @@
       <p:boldItalic r:id="rId13"/>
     </p:embeddedFont>
     <p:embeddedFont>
-      <p:font typeface="Tektur" panose="020B0604020202020204" charset="0"/>
+      <p:font typeface="Tektur Medium" panose="020B0604020202020204" charset="0"/>
       <p:regular r:id="rId14"/>
       <p:bold r:id="rId15"/>
     </p:embeddedFont>
     <p:embeddedFont>
-      <p:font typeface="Tektur Medium" panose="020B0604020202020204" charset="0"/>
+      <p:font typeface="Agency FB" panose="020B0503020202020204" pitchFamily="34" charset="0"/>
       <p:regular r:id="rId16"/>
       <p:bold r:id="rId17"/>
     </p:embeddedFont>
@@ -42,6 +42,11 @@
       <p:bold r:id="rId19"/>
       <p:italic r:id="rId20"/>
       <p:boldItalic r:id="rId21"/>
+    </p:embeddedFont>
+    <p:embeddedFont>
+      <p:font typeface="Tektur" panose="020B0604020202020204" charset="0"/>
+      <p:regular r:id="rId22"/>
+      <p:bold r:id="rId23"/>
     </p:embeddedFont>
   </p:embeddedFontLst>
   <p:defaultTextStyle>
@@ -7507,23 +7512,36 @@
           </a:bodyPr>
           <a:lstStyle/>
           <a:p>
-            <a:pPr marL="0" lvl="0" indent="0" algn="l" rtl="0">
-              <a:spcBef>
-                <a:spcPts val="0"/>
-              </a:spcBef>
-              <a:spcAft>
-                <a:spcPts val="1200"/>
-              </a:spcAft>
+            <a:pPr marL="0" lvl="0" indent="0">
+              <a:spcBef>
+                <a:spcPts val="0"/>
+              </a:spcBef>
               <a:buClr>
                 <a:schemeClr val="lt1"/>
               </a:buClr>
               <a:buSzPts val="2100"/>
               <a:buNone/>
             </a:pPr>
-            <a:endParaRPr sz="2100" dirty="0">
+            <a:r>
+              <a:rPr lang="ru-RU" sz="2100" smtClean="0">
+                <a:solidFill>
+                  <a:schemeClr val="lt1"/>
+                </a:solidFill>
+                <a:latin typeface="Tektur" panose="020B0604020202020204" charset="0"/>
+                <a:ea typeface="Calibri"/>
+                <a:cs typeface="Calibri"/>
+                <a:sym typeface="Calibri"/>
+              </a:rPr>
+              <a:t>ааа</a:t>
+            </a:r>
+            <a:endParaRPr lang="ru-RU" sz="2100" dirty="0">
               <a:solidFill>
                 <a:schemeClr val="lt1"/>
               </a:solidFill>
+              <a:latin typeface="Tektur" panose="020B0604020202020204" charset="0"/>
+              <a:ea typeface="Calibri"/>
+              <a:cs typeface="Calibri"/>
+              <a:sym typeface="Calibri"/>
             </a:endParaRPr>
           </a:p>
         </p:txBody>
@@ -9442,7 +9460,7 @@
               <a:buNone/>
             </a:pPr>
             <a:r>
-              <a:rPr lang="ru" sz="2100" b="0" i="0" u="none" strike="noStrike" cap="none">
+              <a:rPr lang="ru" sz="2100" b="0" i="0" u="none" strike="noStrike" cap="none" dirty="0">
                 <a:solidFill>
                   <a:srgbClr val="01244D"/>
                 </a:solidFill>
@@ -9454,7 +9472,7 @@
               <a:t>За</a:t>
             </a:r>
             <a:r>
-              <a:rPr lang="ru" sz="2100">
+              <a:rPr lang="ru" sz="2100" dirty="0">
                 <a:solidFill>
                   <a:srgbClr val="01244D"/>
                 </a:solidFill>
@@ -9465,7 +9483,7 @@
               </a:rPr>
               <a:t>головок</a:t>
             </a:r>
-            <a:endParaRPr sz="1100"/>
+            <a:endParaRPr sz="1100" dirty="0"/>
           </a:p>
         </p:txBody>
       </p:sp>
@@ -10604,7 +10622,7 @@
         </p:nvSpPr>
         <p:spPr>
           <a:xfrm>
-            <a:off x="521550" y="458240"/>
+            <a:off x="494394" y="500272"/>
             <a:ext cx="7182900" cy="486000"/>
           </a:xfrm>
           <a:prstGeom prst="rect">
@@ -10636,22 +10654,34 @@
               <a:buNone/>
             </a:pPr>
             <a:r>
-              <a:rPr lang="ru" sz="2100">
+              <a:rPr lang="ru" sz="2100" dirty="0" smtClean="0">
                 <a:solidFill>
                   <a:schemeClr val="lt1"/>
                 </a:solidFill>
-                <a:latin typeface="Tektur"/>
-                <a:ea typeface="Tektur"/>
-                <a:cs typeface="Tektur"/>
+                <a:latin typeface="Agency FB" panose="020B0503020202020204" pitchFamily="34" charset="0"/>
+                <a:ea typeface="Calibri"/>
+                <a:cs typeface="Calibri"/>
                 <a:sym typeface="Tektur"/>
               </a:rPr>
-              <a:t>Заголовок</a:t>
+              <a:t>Актуальность (</a:t>
             </a:r>
-            <a:endParaRPr sz="2100" b="0" i="0" u="none" strike="noStrike" cap="none">
+            <a:r>
+              <a:rPr lang="en-US" sz="2100" dirty="0" smtClean="0">
+                <a:solidFill>
+                  <a:schemeClr val="lt1"/>
+                </a:solidFill>
+                <a:latin typeface="Agency FB" panose="020B0503020202020204" pitchFamily="34" charset="0"/>
+                <a:ea typeface="Calibri"/>
+                <a:cs typeface="Calibri"/>
+                <a:sym typeface="Tektur"/>
+              </a:rPr>
+              <a:t>Mo</a:t>
+            </a:r>
+            <a:endParaRPr sz="2100" b="0" i="0" u="none" strike="noStrike" cap="none" dirty="0">
               <a:solidFill>
                 <a:schemeClr val="lt1"/>
               </a:solidFill>
-              <a:latin typeface="Calibri"/>
+              <a:latin typeface="Agency FB" panose="020B0503020202020204" pitchFamily="34" charset="0"/>
               <a:ea typeface="Calibri"/>
               <a:cs typeface="Calibri"/>
               <a:sym typeface="Calibri"/>
